--- a/Face Recognition Android.pptx
+++ b/Face Recognition Android.pptx
@@ -10,6 +10,10 @@
     <p:sldId id="258" r:id="rId4"/>
     <p:sldId id="260" r:id="rId5"/>
     <p:sldId id="259" r:id="rId6"/>
+    <p:sldId id="263" r:id="rId7"/>
+    <p:sldId id="262" r:id="rId8"/>
+    <p:sldId id="261" r:id="rId9"/>
+    <p:sldId id="264" r:id="rId10"/>
   </p:sldIdLst>
   <p:sldSz cx="12192000" cy="6858000"/>
   <p:notesSz cx="6858000" cy="9144000"/>
@@ -838,7 +842,7 @@
           <a:p>
             <a:fld id="{121357C4-0F63-4C91-B18D-F7787C9E4A5A}" type="datetimeFigureOut">
               <a:rPr lang="en-US" smtClean="0"/>
-              <a:t>14/12/2015</a:t>
+              <a:t>09/1/2016</a:t>
             </a:fld>
             <a:endParaRPr lang="en-US"/>
           </a:p>
@@ -1089,7 +1093,7 @@
           <a:p>
             <a:fld id="{121357C4-0F63-4C91-B18D-F7787C9E4A5A}" type="datetimeFigureOut">
               <a:rPr lang="en-US" smtClean="0"/>
-              <a:t>14/12/2015</a:t>
+              <a:t>09/1/2016</a:t>
             </a:fld>
             <a:endParaRPr lang="en-US"/>
           </a:p>
@@ -1403,7 +1407,7 @@
           <a:p>
             <a:fld id="{121357C4-0F63-4C91-B18D-F7787C9E4A5A}" type="datetimeFigureOut">
               <a:rPr lang="en-US" smtClean="0"/>
-              <a:t>14/12/2015</a:t>
+              <a:t>09/1/2016</a:t>
             </a:fld>
             <a:endParaRPr lang="en-US"/>
           </a:p>
@@ -1744,7 +1748,7 @@
           <a:p>
             <a:fld id="{121357C4-0F63-4C91-B18D-F7787C9E4A5A}" type="datetimeFigureOut">
               <a:rPr lang="en-US" smtClean="0"/>
-              <a:t>14/12/2015</a:t>
+              <a:t>09/1/2016</a:t>
             </a:fld>
             <a:endParaRPr lang="en-US"/>
           </a:p>
@@ -2058,7 +2062,7 @@
           <a:p>
             <a:fld id="{121357C4-0F63-4C91-B18D-F7787C9E4A5A}" type="datetimeFigureOut">
               <a:rPr lang="en-US" smtClean="0"/>
-              <a:t>14/12/2015</a:t>
+              <a:t>09/1/2016</a:t>
             </a:fld>
             <a:endParaRPr lang="en-US"/>
           </a:p>
@@ -2451,7 +2455,7 @@
           <a:p>
             <a:fld id="{121357C4-0F63-4C91-B18D-F7787C9E4A5A}" type="datetimeFigureOut">
               <a:rPr lang="en-US" smtClean="0"/>
-              <a:t>14/12/2015</a:t>
+              <a:t>09/1/2016</a:t>
             </a:fld>
             <a:endParaRPr lang="en-US"/>
           </a:p>
@@ -2621,7 +2625,7 @@
           <a:p>
             <a:fld id="{121357C4-0F63-4C91-B18D-F7787C9E4A5A}" type="datetimeFigureOut">
               <a:rPr lang="en-US" smtClean="0"/>
-              <a:t>14/12/2015</a:t>
+              <a:t>09/1/2016</a:t>
             </a:fld>
             <a:endParaRPr lang="en-US"/>
           </a:p>
@@ -2801,7 +2805,7 @@
           <a:p>
             <a:fld id="{121357C4-0F63-4C91-B18D-F7787C9E4A5A}" type="datetimeFigureOut">
               <a:rPr lang="en-US" smtClean="0"/>
-              <a:t>14/12/2015</a:t>
+              <a:t>09/1/2016</a:t>
             </a:fld>
             <a:endParaRPr lang="en-US"/>
           </a:p>
@@ -2977,7 +2981,7 @@
           <a:p>
             <a:fld id="{121357C4-0F63-4C91-B18D-F7787C9E4A5A}" type="datetimeFigureOut">
               <a:rPr lang="en-US" smtClean="0"/>
-              <a:t>14/12/2015</a:t>
+              <a:t>09/1/2016</a:t>
             </a:fld>
             <a:endParaRPr lang="en-US"/>
           </a:p>
@@ -3224,7 +3228,7 @@
           <a:p>
             <a:fld id="{121357C4-0F63-4C91-B18D-F7787C9E4A5A}" type="datetimeFigureOut">
               <a:rPr lang="en-US" smtClean="0"/>
-              <a:t>14/12/2015</a:t>
+              <a:t>09/1/2016</a:t>
             </a:fld>
             <a:endParaRPr lang="en-US"/>
           </a:p>
@@ -3456,7 +3460,7 @@
           <a:p>
             <a:fld id="{121357C4-0F63-4C91-B18D-F7787C9E4A5A}" type="datetimeFigureOut">
               <a:rPr lang="en-US" smtClean="0"/>
-              <a:t>14/12/2015</a:t>
+              <a:t>09/1/2016</a:t>
             </a:fld>
             <a:endParaRPr lang="en-US"/>
           </a:p>
@@ -3830,7 +3834,7 @@
           <a:p>
             <a:fld id="{121357C4-0F63-4C91-B18D-F7787C9E4A5A}" type="datetimeFigureOut">
               <a:rPr lang="en-US" smtClean="0"/>
-              <a:t>14/12/2015</a:t>
+              <a:t>09/1/2016</a:t>
             </a:fld>
             <a:endParaRPr lang="en-US"/>
           </a:p>
@@ -3953,7 +3957,7 @@
           <a:p>
             <a:fld id="{121357C4-0F63-4C91-B18D-F7787C9E4A5A}" type="datetimeFigureOut">
               <a:rPr lang="en-US" smtClean="0"/>
-              <a:t>14/12/2015</a:t>
+              <a:t>09/1/2016</a:t>
             </a:fld>
             <a:endParaRPr lang="en-US"/>
           </a:p>
@@ -4048,7 +4052,7 @@
           <a:p>
             <a:fld id="{121357C4-0F63-4C91-B18D-F7787C9E4A5A}" type="datetimeFigureOut">
               <a:rPr lang="en-US" smtClean="0"/>
-              <a:t>14/12/2015</a:t>
+              <a:t>09/1/2016</a:t>
             </a:fld>
             <a:endParaRPr lang="en-US"/>
           </a:p>
@@ -4303,7 +4307,7 @@
           <a:p>
             <a:fld id="{121357C4-0F63-4C91-B18D-F7787C9E4A5A}" type="datetimeFigureOut">
               <a:rPr lang="en-US" smtClean="0"/>
-              <a:t>14/12/2015</a:t>
+              <a:t>09/1/2016</a:t>
             </a:fld>
             <a:endParaRPr lang="en-US"/>
           </a:p>
@@ -4566,7 +4570,7 @@
           <a:p>
             <a:fld id="{121357C4-0F63-4C91-B18D-F7787C9E4A5A}" type="datetimeFigureOut">
               <a:rPr lang="en-US" smtClean="0"/>
-              <a:t>14/12/2015</a:t>
+              <a:t>09/1/2016</a:t>
             </a:fld>
             <a:endParaRPr lang="en-US"/>
           </a:p>
@@ -5309,7 +5313,7 @@
           <a:p>
             <a:fld id="{121357C4-0F63-4C91-B18D-F7787C9E4A5A}" type="datetimeFigureOut">
               <a:rPr lang="en-US" smtClean="0"/>
-              <a:t>14/12/2015</a:t>
+              <a:t>09/1/2016</a:t>
             </a:fld>
             <a:endParaRPr lang="en-US"/>
           </a:p>
@@ -5843,14 +5847,162 @@
             <p:ph type="ctrTitle"/>
           </p:nvPr>
         </p:nvSpPr>
-        <p:spPr/>
+        <p:spPr>
+          <a:xfrm>
+            <a:off x="1259931" y="872295"/>
+            <a:ext cx="7766936" cy="1646302"/>
+          </a:xfrm>
+        </p:spPr>
         <p:txBody>
           <a:bodyPr/>
           <a:lstStyle/>
           <a:p>
+            <a:pPr algn="ctr"/>
             <a:r>
               <a:rPr lang="en-US" dirty="0" smtClean="0"/>
               <a:t>Face Recognition Android</a:t>
+            </a:r>
+            <a:endParaRPr lang="en-US" dirty="0"/>
+          </a:p>
+        </p:txBody>
+      </p:sp>
+      <p:sp>
+        <p:nvSpPr>
+          <p:cNvPr id="3" name="TextBox 2"/>
+          <p:cNvSpPr txBox="1"/>
+          <p:nvPr/>
+        </p:nvSpPr>
+        <p:spPr>
+          <a:xfrm>
+            <a:off x="1449402" y="4300152"/>
+            <a:ext cx="3146854" cy="1477328"/>
+          </a:xfrm>
+          <a:prstGeom prst="rect">
+            <a:avLst/>
+          </a:prstGeom>
+          <a:noFill/>
+        </p:spPr>
+        <p:txBody>
+          <a:bodyPr wrap="square" rtlCol="0">
+            <a:spAutoFit/>
+          </a:bodyPr>
+          <a:lstStyle/>
+          <a:p>
+            <a:r>
+              <a:rPr lang="sr-Latn-RS" dirty="0" smtClean="0"/>
+              <a:t>Profesor</a:t>
+            </a:r>
+            <a:r>
+              <a:rPr lang="en-US" dirty="0" smtClean="0"/>
+              <a:t>:</a:t>
+            </a:r>
+          </a:p>
+          <a:p>
+            <a:r>
+              <a:rPr lang="en-US" dirty="0" smtClean="0"/>
+              <a:t>doc. </a:t>
+            </a:r>
+            <a:r>
+              <a:rPr lang="en-US" dirty="0" err="1" smtClean="0"/>
+              <a:t>dr</a:t>
+            </a:r>
+            <a:r>
+              <a:rPr lang="en-US" dirty="0" smtClean="0"/>
+              <a:t> </a:t>
+            </a:r>
+            <a:r>
+              <a:rPr lang="sr-Latn-RS" dirty="0" smtClean="0"/>
+              <a:t>Đorđe Obradović</a:t>
+            </a:r>
+          </a:p>
+          <a:p>
+            <a:endParaRPr lang="sr-Latn-RS" dirty="0"/>
+          </a:p>
+          <a:p>
+            <a:r>
+              <a:rPr lang="sr-Latn-RS" dirty="0" smtClean="0"/>
+              <a:t>Asistent</a:t>
+            </a:r>
+            <a:r>
+              <a:rPr lang="en-US" dirty="0" smtClean="0"/>
+              <a:t>:</a:t>
+            </a:r>
+          </a:p>
+          <a:p>
+            <a:r>
+              <a:rPr lang="en-US" dirty="0" smtClean="0"/>
+              <a:t>Ivan </a:t>
+            </a:r>
+            <a:r>
+              <a:rPr lang="en-US" dirty="0" err="1" smtClean="0"/>
+              <a:t>Peri</a:t>
+            </a:r>
+            <a:r>
+              <a:rPr lang="sr-Latn-RS" dirty="0"/>
+              <a:t>ć</a:t>
+            </a:r>
+            <a:endParaRPr lang="en-US" dirty="0"/>
+          </a:p>
+        </p:txBody>
+      </p:sp>
+      <p:sp>
+        <p:nvSpPr>
+          <p:cNvPr id="4" name="TextBox 3"/>
+          <p:cNvSpPr txBox="1"/>
+          <p:nvPr/>
+        </p:nvSpPr>
+        <p:spPr>
+          <a:xfrm>
+            <a:off x="7249297" y="4300153"/>
+            <a:ext cx="4802659" cy="1477328"/>
+          </a:xfrm>
+          <a:prstGeom prst="rect">
+            <a:avLst/>
+          </a:prstGeom>
+          <a:noFill/>
+        </p:spPr>
+        <p:txBody>
+          <a:bodyPr wrap="square" rtlCol="0">
+            <a:spAutoFit/>
+          </a:bodyPr>
+          <a:lstStyle/>
+          <a:p>
+            <a:r>
+              <a:rPr lang="sr-Latn-RS" dirty="0" smtClean="0"/>
+              <a:t>Student</a:t>
+            </a:r>
+            <a:r>
+              <a:rPr lang="en-US" dirty="0" smtClean="0"/>
+              <a:t>:</a:t>
+            </a:r>
+          </a:p>
+          <a:p>
+            <a:r>
+              <a:rPr lang="sr-Latn-RS" dirty="0" smtClean="0"/>
+              <a:t>Ivan Šop, RA 121</a:t>
+            </a:r>
+            <a:r>
+              <a:rPr lang="en-US" dirty="0" smtClean="0"/>
+              <a:t>/2012</a:t>
+            </a:r>
+          </a:p>
+          <a:p>
+            <a:endParaRPr lang="en-US" dirty="0"/>
+          </a:p>
+          <a:p>
+            <a:r>
+              <a:rPr lang="sr-Latn-RS" dirty="0" smtClean="0"/>
+              <a:t>Školska godina</a:t>
+            </a:r>
+            <a:r>
+              <a:rPr lang="en-US" dirty="0" smtClean="0"/>
+              <a:t>:</a:t>
+            </a:r>
+          </a:p>
+          <a:p>
+            <a:r>
+              <a:rPr lang="en-US" dirty="0" smtClean="0"/>
+              <a:t>2015/2016</a:t>
             </a:r>
             <a:endParaRPr lang="en-US" dirty="0"/>
           </a:p>
@@ -6866,6 +7018,1819 @@
       </p:par>
     </p:tnLst>
   </p:timing>
+</p:sld>
+</file>
+
+<file path=ppt/slides/slide6.xml><?xml version="1.0" encoding="utf-8"?>
+<p:sld xmlns:a="http://schemas.openxmlformats.org/drawingml/2006/main" xmlns:r="http://schemas.openxmlformats.org/officeDocument/2006/relationships" xmlns:p="http://schemas.openxmlformats.org/presentationml/2006/main">
+  <p:cSld>
+    <p:spTree>
+      <p:nvGrpSpPr>
+        <p:cNvPr id="1" name=""/>
+        <p:cNvGrpSpPr/>
+        <p:nvPr/>
+      </p:nvGrpSpPr>
+      <p:grpSpPr>
+        <a:xfrm>
+          <a:off x="0" y="0"/>
+          <a:ext cx="0" cy="0"/>
+          <a:chOff x="0" y="0"/>
+          <a:chExt cx="0" cy="0"/>
+        </a:xfrm>
+      </p:grpSpPr>
+      <p:sp>
+        <p:nvSpPr>
+          <p:cNvPr id="2" name="Title 1"/>
+          <p:cNvSpPr>
+            <a:spLocks noGrp="1"/>
+          </p:cNvSpPr>
+          <p:nvPr>
+            <p:ph type="title"/>
+          </p:nvPr>
+        </p:nvSpPr>
+        <p:spPr/>
+        <p:txBody>
+          <a:bodyPr/>
+          <a:lstStyle/>
+          <a:p>
+            <a:r>
+              <a:rPr lang="en-US" dirty="0" err="1" smtClean="0"/>
+              <a:t>Opis</a:t>
+            </a:r>
+            <a:r>
+              <a:rPr lang="en-US" dirty="0" smtClean="0"/>
+              <a:t> </a:t>
+            </a:r>
+            <a:r>
+              <a:rPr lang="en-US" dirty="0" err="1" smtClean="0"/>
+              <a:t>tehnologije</a:t>
+            </a:r>
+            <a:r>
+              <a:rPr lang="en-US" dirty="0"/>
+              <a:t> </a:t>
+            </a:r>
+            <a:r>
+              <a:rPr lang="en-US" dirty="0" err="1" smtClean="0"/>
+              <a:t>za</a:t>
+            </a:r>
+            <a:r>
+              <a:rPr lang="en-US" dirty="0" smtClean="0"/>
+              <a:t> </a:t>
+            </a:r>
+            <a:r>
+              <a:rPr lang="en-US" dirty="0" err="1" smtClean="0"/>
+              <a:t>realizaciju</a:t>
+            </a:r>
+            <a:endParaRPr lang="en-US" dirty="0"/>
+          </a:p>
+        </p:txBody>
+      </p:sp>
+      <p:sp>
+        <p:nvSpPr>
+          <p:cNvPr id="3" name="Content Placeholder 2"/>
+          <p:cNvSpPr>
+            <a:spLocks noGrp="1"/>
+          </p:cNvSpPr>
+          <p:nvPr>
+            <p:ph idx="1"/>
+          </p:nvPr>
+        </p:nvSpPr>
+        <p:spPr/>
+        <p:txBody>
+          <a:bodyPr/>
+          <a:lstStyle/>
+          <a:p>
+            <a:r>
+              <a:rPr lang="en-US" dirty="0" err="1" smtClean="0"/>
+              <a:t>Programski</a:t>
+            </a:r>
+            <a:r>
+              <a:rPr lang="en-US" dirty="0" smtClean="0"/>
+              <a:t> </a:t>
+            </a:r>
+            <a:r>
+              <a:rPr lang="en-US" dirty="0" err="1" smtClean="0"/>
+              <a:t>jezik</a:t>
+            </a:r>
+            <a:r>
+              <a:rPr lang="en-US" dirty="0" smtClean="0"/>
+              <a:t> Java.</a:t>
+            </a:r>
+          </a:p>
+          <a:p>
+            <a:r>
+              <a:rPr lang="en-US" dirty="0" smtClean="0"/>
+              <a:t>OpenCV4Android 2.4.11 </a:t>
+            </a:r>
+            <a:r>
+              <a:rPr lang="en-US" dirty="0" err="1" smtClean="0"/>
+              <a:t>biblioteka</a:t>
+            </a:r>
+            <a:r>
+              <a:rPr lang="en-US" dirty="0" smtClean="0"/>
+              <a:t>.</a:t>
+            </a:r>
+          </a:p>
+          <a:p>
+            <a:r>
+              <a:rPr lang="en-US" dirty="0" err="1" smtClean="0"/>
+              <a:t>Koriste</a:t>
+            </a:r>
+            <a:r>
+              <a:rPr lang="en-US" dirty="0" smtClean="0"/>
+              <a:t> se </a:t>
+            </a:r>
+            <a:r>
+              <a:rPr lang="en-US" dirty="0" err="1" smtClean="0"/>
+              <a:t>ve</a:t>
+            </a:r>
+            <a:r>
+              <a:rPr lang="sr-Latn-RS" dirty="0" smtClean="0"/>
+              <a:t>ć istrenirani setovi podataka za detekciju</a:t>
+            </a:r>
+            <a:r>
+              <a:rPr lang="en-US" dirty="0" smtClean="0"/>
+              <a:t>:</a:t>
+            </a:r>
+          </a:p>
+          <a:p>
+            <a:pPr lvl="1"/>
+            <a:r>
+              <a:rPr lang="en-US" dirty="0" smtClean="0"/>
+              <a:t>lbpcascade_frontalface.xml</a:t>
+            </a:r>
+          </a:p>
+          <a:p>
+            <a:r>
+              <a:rPr lang="en-US" dirty="0" err="1" smtClean="0"/>
+              <a:t>FaceRecognizer</a:t>
+            </a:r>
+            <a:r>
+              <a:rPr lang="en-US" dirty="0" smtClean="0"/>
+              <a:t> </a:t>
+            </a:r>
+            <a:r>
+              <a:rPr lang="en-US" dirty="0" err="1" smtClean="0"/>
+              <a:t>klasa</a:t>
+            </a:r>
+            <a:r>
+              <a:rPr lang="en-US" dirty="0" smtClean="0"/>
+              <a:t> </a:t>
+            </a:r>
+            <a:r>
+              <a:rPr lang="en-US" dirty="0" err="1" smtClean="0"/>
+              <a:t>za</a:t>
+            </a:r>
+            <a:r>
+              <a:rPr lang="en-US" dirty="0" smtClean="0"/>
+              <a:t> </a:t>
+            </a:r>
+            <a:r>
+              <a:rPr lang="en-US" dirty="0" err="1" smtClean="0"/>
+              <a:t>prepoznavanje</a:t>
+            </a:r>
+            <a:r>
+              <a:rPr lang="en-US" dirty="0" smtClean="0"/>
+              <a:t> </a:t>
+            </a:r>
+            <a:r>
+              <a:rPr lang="en-US" dirty="0" err="1" smtClean="0"/>
+              <a:t>lica</a:t>
+            </a:r>
+            <a:r>
+              <a:rPr lang="en-US" dirty="0" smtClean="0"/>
+              <a:t>.</a:t>
+            </a:r>
+          </a:p>
+        </p:txBody>
+      </p:sp>
+    </p:spTree>
+    <p:extLst>
+      <p:ext uri="{BB962C8B-B14F-4D97-AF65-F5344CB8AC3E}">
+        <p14:creationId xmlns:p14="http://schemas.microsoft.com/office/powerpoint/2010/main" val="2929263874"/>
+      </p:ext>
+    </p:extLst>
+  </p:cSld>
+  <p:clrMapOvr>
+    <a:masterClrMapping/>
+  </p:clrMapOvr>
+</p:sld>
+</file>
+
+<file path=ppt/slides/slide7.xml><?xml version="1.0" encoding="utf-8"?>
+<p:sld xmlns:a="http://schemas.openxmlformats.org/drawingml/2006/main" xmlns:r="http://schemas.openxmlformats.org/officeDocument/2006/relationships" xmlns:p="http://schemas.openxmlformats.org/presentationml/2006/main">
+  <p:cSld>
+    <p:spTree>
+      <p:nvGrpSpPr>
+        <p:cNvPr id="1" name=""/>
+        <p:cNvGrpSpPr/>
+        <p:nvPr/>
+      </p:nvGrpSpPr>
+      <p:grpSpPr>
+        <a:xfrm>
+          <a:off x="0" y="0"/>
+          <a:ext cx="0" cy="0"/>
+          <a:chOff x="0" y="0"/>
+          <a:chExt cx="0" cy="0"/>
+        </a:xfrm>
+      </p:grpSpPr>
+      <p:sp>
+        <p:nvSpPr>
+          <p:cNvPr id="2" name="Title 1"/>
+          <p:cNvSpPr>
+            <a:spLocks noGrp="1"/>
+          </p:cNvSpPr>
+          <p:nvPr>
+            <p:ph type="title"/>
+          </p:nvPr>
+        </p:nvSpPr>
+        <p:spPr/>
+        <p:txBody>
+          <a:bodyPr/>
+          <a:lstStyle/>
+          <a:p>
+            <a:r>
+              <a:rPr lang="en-US" dirty="0" err="1" smtClean="0"/>
+              <a:t>Implementacija</a:t>
+            </a:r>
+            <a:r>
+              <a:rPr lang="en-US" dirty="0" smtClean="0"/>
+              <a:t> </a:t>
+            </a:r>
+            <a:r>
+              <a:rPr lang="en-US" dirty="0" err="1" smtClean="0"/>
+              <a:t>detekcije</a:t>
+            </a:r>
+            <a:r>
+              <a:rPr lang="en-US" dirty="0" smtClean="0"/>
+              <a:t> </a:t>
+            </a:r>
+            <a:r>
+              <a:rPr lang="en-US" dirty="0" err="1" smtClean="0"/>
+              <a:t>lica</a:t>
+            </a:r>
+            <a:endParaRPr lang="en-US" dirty="0"/>
+          </a:p>
+        </p:txBody>
+      </p:sp>
+      <p:sp>
+        <p:nvSpPr>
+          <p:cNvPr id="3" name="Content Placeholder 2"/>
+          <p:cNvSpPr>
+            <a:spLocks noGrp="1"/>
+          </p:cNvSpPr>
+          <p:nvPr>
+            <p:ph idx="1"/>
+          </p:nvPr>
+        </p:nvSpPr>
+        <p:spPr>
+          <a:xfrm>
+            <a:off x="677334" y="2160590"/>
+            <a:ext cx="8596668" cy="3498806"/>
+          </a:xfrm>
+        </p:spPr>
+        <p:txBody>
+          <a:bodyPr/>
+          <a:lstStyle/>
+          <a:p>
+            <a:r>
+              <a:rPr lang="en-US" dirty="0" err="1" smtClean="0"/>
+              <a:t>Za</a:t>
+            </a:r>
+            <a:r>
+              <a:rPr lang="en-US" dirty="0" smtClean="0"/>
+              <a:t> </a:t>
+            </a:r>
+            <a:r>
+              <a:rPr lang="en-US" dirty="0" err="1" smtClean="0"/>
+              <a:t>detekciju</a:t>
+            </a:r>
+            <a:r>
+              <a:rPr lang="en-US" dirty="0" smtClean="0"/>
+              <a:t> se </a:t>
+            </a:r>
+            <a:r>
+              <a:rPr lang="en-US" dirty="0" err="1" smtClean="0"/>
+              <a:t>koriste</a:t>
+            </a:r>
+            <a:r>
+              <a:rPr lang="en-US" dirty="0" smtClean="0"/>
+              <a:t> LBP Cascades. </a:t>
+            </a:r>
+            <a:r>
+              <a:rPr lang="en-US" dirty="0" err="1" smtClean="0"/>
+              <a:t>Koristi</a:t>
+            </a:r>
+            <a:r>
+              <a:rPr lang="en-US" dirty="0" smtClean="0"/>
+              <a:t> se </a:t>
+            </a:r>
+            <a:r>
+              <a:rPr lang="en-US" dirty="0" err="1" smtClean="0"/>
+              <a:t>pobolj</a:t>
+            </a:r>
+            <a:r>
+              <a:rPr lang="sr-Latn-RS" dirty="0" smtClean="0"/>
+              <a:t>š</a:t>
+            </a:r>
+            <a:r>
+              <a:rPr lang="en-US" dirty="0" err="1" smtClean="0"/>
+              <a:t>ani</a:t>
+            </a:r>
+            <a:r>
+              <a:rPr lang="en-US" dirty="0" smtClean="0"/>
+              <a:t> Viola-Jones </a:t>
+            </a:r>
+            <a:r>
+              <a:rPr lang="en-US" dirty="0" err="1" smtClean="0"/>
+              <a:t>algoritam</a:t>
+            </a:r>
+            <a:r>
+              <a:rPr lang="en-US" dirty="0" smtClean="0"/>
+              <a:t>. </a:t>
+            </a:r>
+            <a:r>
+              <a:rPr lang="en-US" dirty="0" err="1" smtClean="0"/>
+              <a:t>Algoritam</a:t>
+            </a:r>
+            <a:r>
+              <a:rPr lang="en-US" dirty="0" smtClean="0"/>
+              <a:t> </a:t>
+            </a:r>
+            <a:r>
+              <a:rPr lang="en-US" dirty="0" err="1" smtClean="0"/>
+              <a:t>radi</a:t>
+            </a:r>
+            <a:r>
+              <a:rPr lang="en-US" dirty="0" smtClean="0"/>
+              <a:t> </a:t>
+            </a:r>
+            <a:r>
+              <a:rPr lang="en-US" dirty="0" err="1" smtClean="0"/>
+              <a:t>tako</a:t>
+            </a:r>
+            <a:r>
+              <a:rPr lang="en-US" dirty="0" smtClean="0"/>
+              <a:t> </a:t>
+            </a:r>
+            <a:r>
+              <a:rPr lang="sr-Latn-RS" dirty="0" smtClean="0"/>
+              <a:t>š</a:t>
+            </a:r>
+            <a:r>
+              <a:rPr lang="en-US" dirty="0" smtClean="0"/>
+              <a:t>to </a:t>
+            </a:r>
+            <a:r>
+              <a:rPr lang="en-US" dirty="0" err="1" smtClean="0"/>
+              <a:t>redom</a:t>
+            </a:r>
+            <a:r>
+              <a:rPr lang="en-US" dirty="0" smtClean="0"/>
+              <a:t> </a:t>
+            </a:r>
+            <a:r>
+              <a:rPr lang="en-US" dirty="0" err="1" smtClean="0"/>
+              <a:t>posmatra</a:t>
+            </a:r>
+            <a:r>
+              <a:rPr lang="en-US" dirty="0" smtClean="0"/>
+              <a:t> </a:t>
+            </a:r>
+            <a:r>
+              <a:rPr lang="en-US" dirty="0" err="1" smtClean="0"/>
+              <a:t>delove</a:t>
+            </a:r>
+            <a:r>
+              <a:rPr lang="en-US" dirty="0" smtClean="0"/>
+              <a:t> </a:t>
+            </a:r>
+            <a:r>
+              <a:rPr lang="en-US" dirty="0" err="1" smtClean="0"/>
+              <a:t>slike</a:t>
+            </a:r>
+            <a:r>
+              <a:rPr lang="en-US" dirty="0" smtClean="0"/>
+              <a:t> </a:t>
+            </a:r>
+            <a:r>
+              <a:rPr lang="en-US" dirty="0" err="1" smtClean="0"/>
+              <a:t>i</a:t>
+            </a:r>
+            <a:r>
+              <a:rPr lang="en-US" dirty="0" smtClean="0"/>
+              <a:t> </a:t>
+            </a:r>
+            <a:r>
+              <a:rPr lang="en-US" dirty="0" err="1" smtClean="0"/>
+              <a:t>tra</a:t>
+            </a:r>
+            <a:r>
+              <a:rPr lang="sr-Latn-RS" dirty="0" smtClean="0"/>
+              <a:t>ž</a:t>
+            </a:r>
+            <a:r>
+              <a:rPr lang="en-US" dirty="0" err="1" smtClean="0"/>
+              <a:t>i</a:t>
+            </a:r>
+            <a:r>
+              <a:rPr lang="en-US" dirty="0" smtClean="0"/>
+              <a:t> </a:t>
+            </a:r>
+            <a:r>
+              <a:rPr lang="en-US" dirty="0" err="1" smtClean="0"/>
+              <a:t>patterne</a:t>
+            </a:r>
+            <a:r>
+              <a:rPr lang="en-US" dirty="0" smtClean="0"/>
+              <a:t> </a:t>
+            </a:r>
+            <a:r>
+              <a:rPr lang="en-US" dirty="0" err="1" smtClean="0"/>
+              <a:t>koji</a:t>
+            </a:r>
+            <a:r>
+              <a:rPr lang="en-US" dirty="0" smtClean="0"/>
+              <a:t> li</a:t>
+            </a:r>
+            <a:r>
+              <a:rPr lang="sr-Latn-RS" dirty="0" smtClean="0"/>
+              <a:t>č</a:t>
+            </a:r>
+            <a:r>
+              <a:rPr lang="en-US" dirty="0" smtClean="0"/>
+              <a:t>e </a:t>
+            </a:r>
+            <a:r>
+              <a:rPr lang="en-US" dirty="0" err="1" smtClean="0"/>
+              <a:t>na</a:t>
+            </a:r>
+            <a:r>
+              <a:rPr lang="en-US" dirty="0" smtClean="0"/>
+              <a:t> </a:t>
+            </a:r>
+            <a:r>
+              <a:rPr lang="en-US" dirty="0" err="1" smtClean="0"/>
+              <a:t>odlike</a:t>
+            </a:r>
+            <a:r>
+              <a:rPr lang="en-US" dirty="0" smtClean="0"/>
+              <a:t> </a:t>
+            </a:r>
+            <a:r>
+              <a:rPr lang="en-US" dirty="0" err="1" smtClean="0"/>
+              <a:t>ljudskog</a:t>
+            </a:r>
+            <a:r>
+              <a:rPr lang="en-US" dirty="0" smtClean="0"/>
+              <a:t> </a:t>
+            </a:r>
+            <a:r>
+              <a:rPr lang="en-US" dirty="0" err="1" smtClean="0"/>
+              <a:t>lica</a:t>
+            </a:r>
+            <a:r>
+              <a:rPr lang="en-US" dirty="0" smtClean="0"/>
+              <a:t>(</a:t>
+            </a:r>
+            <a:r>
+              <a:rPr lang="sr-Latn-RS" dirty="0" smtClean="0"/>
+              <a:t>čelo, </a:t>
+            </a:r>
+            <a:r>
+              <a:rPr lang="en-US" dirty="0" smtClean="0"/>
+              <a:t>o</a:t>
+            </a:r>
+            <a:r>
+              <a:rPr lang="sr-Latn-RS" dirty="0" smtClean="0"/>
+              <a:t>č</a:t>
+            </a:r>
+            <a:r>
+              <a:rPr lang="en-US" dirty="0" err="1" smtClean="0"/>
+              <a:t>i</a:t>
+            </a:r>
+            <a:r>
+              <a:rPr lang="en-US" dirty="0" smtClean="0"/>
+              <a:t>, </a:t>
+            </a:r>
+            <a:r>
+              <a:rPr lang="en-US" dirty="0" err="1" smtClean="0"/>
+              <a:t>nos</a:t>
+            </a:r>
+            <a:r>
+              <a:rPr lang="en-US" dirty="0" smtClean="0"/>
+              <a:t>, </a:t>
+            </a:r>
+            <a:r>
+              <a:rPr lang="en-US" dirty="0" err="1" smtClean="0"/>
+              <a:t>usta</a:t>
+            </a:r>
+            <a:r>
+              <a:rPr lang="en-US" dirty="0" smtClean="0"/>
+              <a:t>, </a:t>
+            </a:r>
+            <a:r>
+              <a:rPr lang="en-US" dirty="0" err="1" smtClean="0"/>
+              <a:t>brada</a:t>
+            </a:r>
+            <a:r>
+              <a:rPr lang="en-US" dirty="0" smtClean="0"/>
+              <a:t>). </a:t>
+            </a:r>
+            <a:r>
+              <a:rPr lang="en-US" dirty="0" err="1" smtClean="0"/>
+              <a:t>Ovi</a:t>
+            </a:r>
+            <a:r>
+              <a:rPr lang="en-US" dirty="0" smtClean="0"/>
+              <a:t> </a:t>
+            </a:r>
+            <a:r>
+              <a:rPr lang="en-US" dirty="0" err="1" smtClean="0"/>
+              <a:t>patterni</a:t>
+            </a:r>
+            <a:r>
+              <a:rPr lang="en-US" dirty="0" smtClean="0"/>
+              <a:t> </a:t>
+            </a:r>
+            <a:r>
+              <a:rPr lang="en-US" dirty="0" err="1" smtClean="0"/>
+              <a:t>su</a:t>
+            </a:r>
+            <a:r>
+              <a:rPr lang="en-US" dirty="0" smtClean="0"/>
+              <a:t> </a:t>
+            </a:r>
+            <a:r>
+              <a:rPr lang="en-US" dirty="0" err="1" smtClean="0"/>
+              <a:t>opisani</a:t>
+            </a:r>
+            <a:r>
+              <a:rPr lang="en-US" dirty="0" smtClean="0"/>
+              <a:t> u </a:t>
+            </a:r>
+            <a:r>
+              <a:rPr lang="en-US" dirty="0" err="1" smtClean="0"/>
+              <a:t>ve</a:t>
+            </a:r>
+            <a:r>
+              <a:rPr lang="sr-Latn-RS" dirty="0" smtClean="0"/>
+              <a:t>ć istreniranoj neuronskoj mreži</a:t>
+            </a:r>
+            <a:r>
+              <a:rPr lang="en-US" dirty="0"/>
+              <a:t>.</a:t>
+            </a:r>
+          </a:p>
+        </p:txBody>
+      </p:sp>
+      <p:pic>
+        <p:nvPicPr>
+          <p:cNvPr id="4" name="Picture 3"/>
+          <p:cNvPicPr>
+            <a:picLocks noChangeAspect="1"/>
+          </p:cNvPicPr>
+          <p:nvPr/>
+        </p:nvPicPr>
+        <p:blipFill>
+          <a:blip r:embed="rId2">
+            <a:extLst>
+              <a:ext uri="{28A0092B-C50C-407E-A947-70E740481C1C}">
+                <a14:useLocalDpi xmlns:a14="http://schemas.microsoft.com/office/drawing/2010/main" val="0"/>
+              </a:ext>
+            </a:extLst>
+          </a:blip>
+          <a:stretch>
+            <a:fillRect/>
+          </a:stretch>
+        </p:blipFill>
+        <p:spPr>
+          <a:xfrm>
+            <a:off x="1080701" y="3404922"/>
+            <a:ext cx="952500" cy="1666875"/>
+          </a:xfrm>
+          <a:prstGeom prst="rect">
+            <a:avLst/>
+          </a:prstGeom>
+        </p:spPr>
+      </p:pic>
+      <p:pic>
+        <p:nvPicPr>
+          <p:cNvPr id="5" name="Picture 4"/>
+          <p:cNvPicPr>
+            <a:picLocks noChangeAspect="1"/>
+          </p:cNvPicPr>
+          <p:nvPr/>
+        </p:nvPicPr>
+        <p:blipFill>
+          <a:blip r:embed="rId3">
+            <a:extLst>
+              <a:ext uri="{28A0092B-C50C-407E-A947-70E740481C1C}">
+                <a14:useLocalDpi xmlns:a14="http://schemas.microsoft.com/office/drawing/2010/main" val="0"/>
+              </a:ext>
+            </a:extLst>
+          </a:blip>
+          <a:stretch>
+            <a:fillRect/>
+          </a:stretch>
+        </p:blipFill>
+        <p:spPr>
+          <a:xfrm>
+            <a:off x="2436568" y="3402870"/>
+            <a:ext cx="952500" cy="1666875"/>
+          </a:xfrm>
+          <a:prstGeom prst="rect">
+            <a:avLst/>
+          </a:prstGeom>
+        </p:spPr>
+      </p:pic>
+      <p:pic>
+        <p:nvPicPr>
+          <p:cNvPr id="6" name="Picture 5"/>
+          <p:cNvPicPr>
+            <a:picLocks noChangeAspect="1"/>
+          </p:cNvPicPr>
+          <p:nvPr/>
+        </p:nvPicPr>
+        <p:blipFill>
+          <a:blip r:embed="rId4">
+            <a:extLst>
+              <a:ext uri="{28A0092B-C50C-407E-A947-70E740481C1C}">
+                <a14:useLocalDpi xmlns:a14="http://schemas.microsoft.com/office/drawing/2010/main" val="0"/>
+              </a:ext>
+            </a:extLst>
+          </a:blip>
+          <a:stretch>
+            <a:fillRect/>
+          </a:stretch>
+        </p:blipFill>
+        <p:spPr>
+          <a:xfrm>
+            <a:off x="3792435" y="3402869"/>
+            <a:ext cx="952500" cy="1666875"/>
+          </a:xfrm>
+          <a:prstGeom prst="rect">
+            <a:avLst/>
+          </a:prstGeom>
+        </p:spPr>
+      </p:pic>
+      <p:pic>
+        <p:nvPicPr>
+          <p:cNvPr id="7" name="Picture 6"/>
+          <p:cNvPicPr>
+            <a:picLocks noChangeAspect="1"/>
+          </p:cNvPicPr>
+          <p:nvPr/>
+        </p:nvPicPr>
+        <p:blipFill>
+          <a:blip r:embed="rId5">
+            <a:extLst>
+              <a:ext uri="{28A0092B-C50C-407E-A947-70E740481C1C}">
+                <a14:useLocalDpi xmlns:a14="http://schemas.microsoft.com/office/drawing/2010/main" val="0"/>
+              </a:ext>
+            </a:extLst>
+          </a:blip>
+          <a:stretch>
+            <a:fillRect/>
+          </a:stretch>
+        </p:blipFill>
+        <p:spPr>
+          <a:xfrm>
+            <a:off x="6533218" y="3402866"/>
+            <a:ext cx="952500" cy="1666875"/>
+          </a:xfrm>
+          <a:prstGeom prst="rect">
+            <a:avLst/>
+          </a:prstGeom>
+        </p:spPr>
+      </p:pic>
+      <p:pic>
+        <p:nvPicPr>
+          <p:cNvPr id="8" name="Picture 7"/>
+          <p:cNvPicPr>
+            <a:picLocks noChangeAspect="1"/>
+          </p:cNvPicPr>
+          <p:nvPr/>
+        </p:nvPicPr>
+        <p:blipFill>
+          <a:blip r:embed="rId6">
+            <a:extLst>
+              <a:ext uri="{28A0092B-C50C-407E-A947-70E740481C1C}">
+                <a14:useLocalDpi xmlns:a14="http://schemas.microsoft.com/office/drawing/2010/main" val="0"/>
+              </a:ext>
+            </a:extLst>
+          </a:blip>
+          <a:stretch>
+            <a:fillRect/>
+          </a:stretch>
+        </p:blipFill>
+        <p:spPr>
+          <a:xfrm>
+            <a:off x="8046936" y="3402865"/>
+            <a:ext cx="952500" cy="1666875"/>
+          </a:xfrm>
+          <a:prstGeom prst="rect">
+            <a:avLst/>
+          </a:prstGeom>
+        </p:spPr>
+      </p:pic>
+      <p:pic>
+        <p:nvPicPr>
+          <p:cNvPr id="9" name="Picture 8"/>
+          <p:cNvPicPr>
+            <a:picLocks noChangeAspect="1"/>
+          </p:cNvPicPr>
+          <p:nvPr/>
+        </p:nvPicPr>
+        <p:blipFill>
+          <a:blip r:embed="rId7">
+            <a:extLst>
+              <a:ext uri="{28A0092B-C50C-407E-A947-70E740481C1C}">
+                <a14:useLocalDpi xmlns:a14="http://schemas.microsoft.com/office/drawing/2010/main" val="0"/>
+              </a:ext>
+            </a:extLst>
+          </a:blip>
+          <a:stretch>
+            <a:fillRect/>
+          </a:stretch>
+        </p:blipFill>
+        <p:spPr>
+          <a:xfrm>
+            <a:off x="5148302" y="3402867"/>
+            <a:ext cx="952500" cy="1666875"/>
+          </a:xfrm>
+          <a:prstGeom prst="rect">
+            <a:avLst/>
+          </a:prstGeom>
+        </p:spPr>
+      </p:pic>
+    </p:spTree>
+    <p:extLst>
+      <p:ext uri="{BB962C8B-B14F-4D97-AF65-F5344CB8AC3E}">
+        <p14:creationId xmlns:p14="http://schemas.microsoft.com/office/powerpoint/2010/main" val="793198414"/>
+      </p:ext>
+    </p:extLst>
+  </p:cSld>
+  <p:clrMapOvr>
+    <a:masterClrMapping/>
+  </p:clrMapOvr>
+</p:sld>
+</file>
+
+<file path=ppt/slides/slide8.xml><?xml version="1.0" encoding="utf-8"?>
+<p:sld xmlns:a="http://schemas.openxmlformats.org/drawingml/2006/main" xmlns:r="http://schemas.openxmlformats.org/officeDocument/2006/relationships" xmlns:p="http://schemas.openxmlformats.org/presentationml/2006/main">
+  <p:cSld>
+    <p:spTree>
+      <p:nvGrpSpPr>
+        <p:cNvPr id="1" name=""/>
+        <p:cNvGrpSpPr/>
+        <p:nvPr/>
+      </p:nvGrpSpPr>
+      <p:grpSpPr>
+        <a:xfrm>
+          <a:off x="0" y="0"/>
+          <a:ext cx="0" cy="0"/>
+          <a:chOff x="0" y="0"/>
+          <a:chExt cx="0" cy="0"/>
+        </a:xfrm>
+      </p:grpSpPr>
+      <p:sp>
+        <p:nvSpPr>
+          <p:cNvPr id="2" name="Title 1"/>
+          <p:cNvSpPr>
+            <a:spLocks noGrp="1"/>
+          </p:cNvSpPr>
+          <p:nvPr>
+            <p:ph type="title"/>
+          </p:nvPr>
+        </p:nvSpPr>
+        <p:spPr/>
+        <p:txBody>
+          <a:bodyPr/>
+          <a:lstStyle/>
+          <a:p>
+            <a:r>
+              <a:rPr lang="en-US" dirty="0" err="1" smtClean="0"/>
+              <a:t>Implementacija</a:t>
+            </a:r>
+            <a:r>
+              <a:rPr lang="en-US" dirty="0" smtClean="0"/>
+              <a:t> </a:t>
+            </a:r>
+            <a:r>
+              <a:rPr lang="en-US" dirty="0" err="1" smtClean="0"/>
+              <a:t>prepoznavanja</a:t>
+            </a:r>
+            <a:r>
+              <a:rPr lang="en-US" dirty="0" smtClean="0"/>
+              <a:t> </a:t>
+            </a:r>
+            <a:r>
+              <a:rPr lang="en-US" dirty="0" err="1" smtClean="0"/>
+              <a:t>lica</a:t>
+            </a:r>
+            <a:endParaRPr lang="en-US" dirty="0"/>
+          </a:p>
+        </p:txBody>
+      </p:sp>
+      <p:sp>
+        <p:nvSpPr>
+          <p:cNvPr id="3" name="Content Placeholder 2"/>
+          <p:cNvSpPr>
+            <a:spLocks noGrp="1"/>
+          </p:cNvSpPr>
+          <p:nvPr>
+            <p:ph idx="1"/>
+          </p:nvPr>
+        </p:nvSpPr>
+        <p:spPr/>
+        <p:txBody>
+          <a:bodyPr>
+            <a:normAutofit fontScale="85000" lnSpcReduction="20000"/>
+          </a:bodyPr>
+          <a:lstStyle/>
+          <a:p>
+            <a:r>
+              <a:rPr lang="en-US" dirty="0" err="1" smtClean="0"/>
+              <a:t>Za</a:t>
+            </a:r>
+            <a:r>
+              <a:rPr lang="en-US" dirty="0" smtClean="0"/>
+              <a:t> </a:t>
+            </a:r>
+            <a:r>
+              <a:rPr lang="en-US" dirty="0" err="1" smtClean="0"/>
+              <a:t>prepoznavanje</a:t>
+            </a:r>
+            <a:r>
+              <a:rPr lang="en-US" dirty="0" smtClean="0"/>
+              <a:t> se </a:t>
+            </a:r>
+            <a:r>
+              <a:rPr lang="en-US" dirty="0" err="1" smtClean="0"/>
+              <a:t>koristi</a:t>
+            </a:r>
+            <a:r>
+              <a:rPr lang="en-US" dirty="0" smtClean="0"/>
+              <a:t> LBPH (Local binary pattern histograms) </a:t>
+            </a:r>
+            <a:r>
+              <a:rPr lang="en-US" dirty="0" err="1" smtClean="0"/>
+              <a:t>metoda</a:t>
+            </a:r>
+            <a:r>
+              <a:rPr lang="en-US" dirty="0" smtClean="0"/>
+              <a:t>.</a:t>
+            </a:r>
+          </a:p>
+          <a:p>
+            <a:r>
+              <a:rPr lang="en-US" dirty="0" smtClean="0"/>
+              <a:t>LBPH </a:t>
+            </a:r>
+            <a:r>
+              <a:rPr lang="en-US" dirty="0" err="1" smtClean="0"/>
+              <a:t>za</a:t>
+            </a:r>
+            <a:r>
+              <a:rPr lang="en-US" dirty="0" smtClean="0"/>
+              <a:t> </a:t>
+            </a:r>
+            <a:r>
+              <a:rPr lang="en-US" dirty="0" err="1" smtClean="0"/>
+              <a:t>razliku</a:t>
+            </a:r>
+            <a:r>
+              <a:rPr lang="en-US" dirty="0" smtClean="0"/>
+              <a:t> od </a:t>
+            </a:r>
+            <a:r>
+              <a:rPr lang="en-US" dirty="0" err="1" smtClean="0"/>
+              <a:t>Eigenfaces</a:t>
+            </a:r>
+            <a:r>
+              <a:rPr lang="en-US" dirty="0" smtClean="0"/>
+              <a:t> </a:t>
+            </a:r>
+            <a:r>
+              <a:rPr lang="en-US" dirty="0" err="1" smtClean="0"/>
+              <a:t>i</a:t>
+            </a:r>
+            <a:r>
+              <a:rPr lang="en-US" dirty="0" smtClean="0"/>
+              <a:t> </a:t>
+            </a:r>
+            <a:r>
+              <a:rPr lang="en-US" dirty="0" err="1" smtClean="0"/>
+              <a:t>Fisherfaces</a:t>
+            </a:r>
+            <a:r>
+              <a:rPr lang="en-US" dirty="0" smtClean="0"/>
+              <a:t> </a:t>
+            </a:r>
+            <a:r>
+              <a:rPr lang="en-US" dirty="0" err="1" smtClean="0"/>
+              <a:t>posmatra</a:t>
+            </a:r>
+            <a:r>
+              <a:rPr lang="en-US" dirty="0" smtClean="0"/>
+              <a:t> </a:t>
+            </a:r>
+            <a:r>
+              <a:rPr lang="en-US" dirty="0" err="1" smtClean="0"/>
+              <a:t>svaku</a:t>
+            </a:r>
+            <a:r>
+              <a:rPr lang="en-US" dirty="0" smtClean="0"/>
+              <a:t> </a:t>
+            </a:r>
+            <a:r>
+              <a:rPr lang="en-US" dirty="0" err="1" smtClean="0"/>
+              <a:t>sliku</a:t>
+            </a:r>
+            <a:r>
+              <a:rPr lang="en-US" dirty="0" smtClean="0"/>
+              <a:t> </a:t>
+            </a:r>
+            <a:r>
+              <a:rPr lang="en-US" dirty="0" err="1" smtClean="0"/>
+              <a:t>iz</a:t>
+            </a:r>
+            <a:r>
+              <a:rPr lang="en-US" dirty="0" smtClean="0"/>
+              <a:t> </a:t>
+            </a:r>
+            <a:r>
+              <a:rPr lang="en-US" dirty="0" err="1" smtClean="0"/>
+              <a:t>dataseta</a:t>
+            </a:r>
+            <a:r>
+              <a:rPr lang="en-US" dirty="0" smtClean="0"/>
+              <a:t> </a:t>
+            </a:r>
+            <a:r>
+              <a:rPr lang="en-US" dirty="0" err="1" smtClean="0"/>
+              <a:t>pojedinacno</a:t>
+            </a:r>
+            <a:r>
+              <a:rPr lang="en-US" dirty="0" smtClean="0"/>
+              <a:t>. LBPH se </a:t>
+            </a:r>
+            <a:r>
+              <a:rPr lang="en-US" dirty="0" err="1" smtClean="0"/>
+              <a:t>zasniva</a:t>
+            </a:r>
+            <a:r>
+              <a:rPr lang="en-US" dirty="0" smtClean="0"/>
+              <a:t> </a:t>
+            </a:r>
+            <a:r>
+              <a:rPr lang="en-US" dirty="0" err="1" smtClean="0"/>
+              <a:t>na</a:t>
+            </a:r>
+            <a:r>
+              <a:rPr lang="en-US" dirty="0" smtClean="0"/>
+              <a:t> </a:t>
+            </a:r>
+            <a:r>
+              <a:rPr lang="en-US" dirty="0" err="1" smtClean="0"/>
+              <a:t>analizi</a:t>
+            </a:r>
+            <a:r>
+              <a:rPr lang="en-US" dirty="0" smtClean="0"/>
+              <a:t> 2D </a:t>
+            </a:r>
+            <a:r>
+              <a:rPr lang="en-US" dirty="0" err="1" smtClean="0"/>
+              <a:t>teksure</a:t>
+            </a:r>
+            <a:r>
+              <a:rPr lang="en-US" dirty="0" smtClean="0"/>
+              <a:t>. </a:t>
+            </a:r>
+            <a:r>
+              <a:rPr lang="en-US" dirty="0" err="1" smtClean="0"/>
+              <a:t>Ideja</a:t>
+            </a:r>
+            <a:r>
+              <a:rPr lang="en-US" dirty="0" smtClean="0"/>
+              <a:t> je da se </a:t>
+            </a:r>
+            <a:r>
+              <a:rPr lang="en-US" dirty="0" err="1" smtClean="0"/>
+              <a:t>struktura</a:t>
+            </a:r>
+            <a:r>
+              <a:rPr lang="en-US" dirty="0" smtClean="0"/>
+              <a:t> </a:t>
+            </a:r>
+            <a:r>
+              <a:rPr lang="en-US" dirty="0" err="1" smtClean="0"/>
+              <a:t>slike</a:t>
+            </a:r>
+            <a:r>
+              <a:rPr lang="en-US" dirty="0" smtClean="0"/>
+              <a:t> </a:t>
+            </a:r>
+            <a:r>
+              <a:rPr lang="en-US" dirty="0" err="1" smtClean="0"/>
+              <a:t>sazme</a:t>
+            </a:r>
+            <a:r>
+              <a:rPr lang="en-US" dirty="0" smtClean="0"/>
+              <a:t> </a:t>
+            </a:r>
+            <a:r>
+              <a:rPr lang="en-US" dirty="0" err="1" smtClean="0"/>
+              <a:t>uporedjivanjem</a:t>
+            </a:r>
+            <a:r>
+              <a:rPr lang="en-US" dirty="0" smtClean="0"/>
+              <a:t> </a:t>
+            </a:r>
+            <a:r>
+              <a:rPr lang="en-US" dirty="0" err="1" smtClean="0"/>
+              <a:t>svakog</a:t>
+            </a:r>
+            <a:r>
+              <a:rPr lang="en-US" dirty="0" smtClean="0"/>
+              <a:t> </a:t>
+            </a:r>
+            <a:r>
+              <a:rPr lang="en-US" dirty="0" err="1" smtClean="0"/>
+              <a:t>piksela</a:t>
+            </a:r>
+            <a:r>
+              <a:rPr lang="en-US" dirty="0" smtClean="0"/>
+              <a:t> </a:t>
+            </a:r>
+            <a:r>
+              <a:rPr lang="en-US" dirty="0" err="1" smtClean="0"/>
+              <a:t>sa</a:t>
+            </a:r>
+            <a:r>
+              <a:rPr lang="en-US" dirty="0" smtClean="0"/>
+              <a:t> “neighboring” </a:t>
+            </a:r>
+            <a:r>
+              <a:rPr lang="en-US" dirty="0" err="1" smtClean="0"/>
+              <a:t>pikselima</a:t>
+            </a:r>
+            <a:r>
+              <a:rPr lang="en-US" dirty="0" smtClean="0"/>
+              <a:t>. </a:t>
+            </a:r>
+            <a:r>
+              <a:rPr lang="en-US" dirty="0" err="1" smtClean="0"/>
+              <a:t>Za</a:t>
+            </a:r>
+            <a:r>
+              <a:rPr lang="en-US" dirty="0" smtClean="0"/>
+              <a:t> </a:t>
+            </a:r>
+            <a:r>
+              <a:rPr lang="en-US" dirty="0" err="1" smtClean="0"/>
+              <a:t>granicne</a:t>
+            </a:r>
+            <a:r>
+              <a:rPr lang="en-US" dirty="0" smtClean="0"/>
+              <a:t> </a:t>
+            </a:r>
+            <a:r>
+              <a:rPr lang="en-US" dirty="0" err="1" smtClean="0"/>
+              <a:t>piksele</a:t>
+            </a:r>
+            <a:r>
+              <a:rPr lang="en-US" dirty="0" smtClean="0"/>
+              <a:t> se </a:t>
+            </a:r>
+            <a:r>
+              <a:rPr lang="en-US" dirty="0" err="1" smtClean="0"/>
+              <a:t>uzima</a:t>
+            </a:r>
+            <a:r>
+              <a:rPr lang="en-US" dirty="0" smtClean="0"/>
+              <a:t> 1 </a:t>
+            </a:r>
+            <a:r>
+              <a:rPr lang="en-US" dirty="0" err="1" smtClean="0"/>
+              <a:t>ako</a:t>
+            </a:r>
+            <a:r>
+              <a:rPr lang="en-US" dirty="0" smtClean="0"/>
+              <a:t> je </a:t>
+            </a:r>
+            <a:r>
+              <a:rPr lang="en-US" dirty="0" err="1" smtClean="0"/>
+              <a:t>intenzitet</a:t>
+            </a:r>
+            <a:r>
+              <a:rPr lang="en-US" dirty="0" smtClean="0"/>
+              <a:t> </a:t>
+            </a:r>
+            <a:r>
+              <a:rPr lang="en-US" dirty="0" err="1" smtClean="0"/>
+              <a:t>granicnih</a:t>
+            </a:r>
+            <a:r>
+              <a:rPr lang="en-US" dirty="0" smtClean="0"/>
+              <a:t> </a:t>
+            </a:r>
+            <a:r>
+              <a:rPr lang="en-US" dirty="0" err="1" smtClean="0"/>
+              <a:t>piksela</a:t>
+            </a:r>
+            <a:r>
+              <a:rPr lang="en-US" dirty="0" smtClean="0"/>
+              <a:t> </a:t>
+            </a:r>
+            <a:r>
+              <a:rPr lang="en-US" dirty="0" err="1" smtClean="0"/>
+              <a:t>veci</a:t>
+            </a:r>
+            <a:r>
+              <a:rPr lang="en-US" dirty="0" smtClean="0"/>
+              <a:t> od </a:t>
+            </a:r>
+            <a:r>
+              <a:rPr lang="en-US" dirty="0" err="1" smtClean="0"/>
+              <a:t>trenutnog</a:t>
+            </a:r>
+            <a:r>
+              <a:rPr lang="en-US" dirty="0" smtClean="0"/>
+              <a:t> </a:t>
+            </a:r>
+            <a:r>
+              <a:rPr lang="en-US" dirty="0" err="1" smtClean="0"/>
+              <a:t>piksela</a:t>
+            </a:r>
+            <a:r>
+              <a:rPr lang="en-US" dirty="0" smtClean="0"/>
+              <a:t>, a u </a:t>
+            </a:r>
+            <a:r>
+              <a:rPr lang="en-US" dirty="0" err="1" smtClean="0"/>
+              <a:t>suprotnom</a:t>
+            </a:r>
+            <a:r>
+              <a:rPr lang="en-US" dirty="0" smtClean="0"/>
+              <a:t> 0. </a:t>
+            </a:r>
+            <a:r>
+              <a:rPr lang="en-US" dirty="0" err="1" smtClean="0"/>
+              <a:t>Tako</a:t>
+            </a:r>
+            <a:r>
+              <a:rPr lang="en-US" dirty="0" smtClean="0"/>
+              <a:t> se </a:t>
+            </a:r>
+            <a:r>
+              <a:rPr lang="en-US" dirty="0" err="1" smtClean="0"/>
+              <a:t>za</a:t>
+            </a:r>
+            <a:r>
+              <a:rPr lang="en-US" dirty="0" smtClean="0"/>
+              <a:t> </a:t>
+            </a:r>
+            <a:r>
+              <a:rPr lang="en-US" dirty="0" err="1" smtClean="0"/>
+              <a:t>svaki</a:t>
+            </a:r>
+            <a:r>
+              <a:rPr lang="en-US" dirty="0" smtClean="0"/>
+              <a:t> </a:t>
+            </a:r>
+            <a:r>
+              <a:rPr lang="en-US" dirty="0" err="1" smtClean="0"/>
+              <a:t>piksel</a:t>
+            </a:r>
+            <a:r>
+              <a:rPr lang="en-US" dirty="0" smtClean="0"/>
+              <a:t> </a:t>
+            </a:r>
+            <a:r>
+              <a:rPr lang="en-US" dirty="0" err="1" smtClean="0"/>
+              <a:t>dobija</a:t>
+            </a:r>
+            <a:r>
+              <a:rPr lang="en-US" dirty="0" smtClean="0"/>
+              <a:t> </a:t>
+            </a:r>
+            <a:r>
+              <a:rPr lang="en-US" dirty="0" err="1" smtClean="0"/>
+              <a:t>odredjeni</a:t>
+            </a:r>
+            <a:r>
+              <a:rPr lang="en-US" dirty="0" smtClean="0"/>
+              <a:t> </a:t>
+            </a:r>
+            <a:r>
+              <a:rPr lang="en-US" dirty="0" err="1" smtClean="0"/>
+              <a:t>niz</a:t>
+            </a:r>
+            <a:r>
+              <a:rPr lang="en-US" dirty="0" smtClean="0"/>
+              <a:t> 1 </a:t>
+            </a:r>
+            <a:r>
+              <a:rPr lang="en-US" dirty="0" err="1" smtClean="0"/>
+              <a:t>i</a:t>
+            </a:r>
+            <a:r>
+              <a:rPr lang="en-US" dirty="0" smtClean="0"/>
+              <a:t> 0, </a:t>
+            </a:r>
+            <a:r>
+              <a:rPr lang="en-US" dirty="0" err="1" smtClean="0"/>
+              <a:t>tzv</a:t>
+            </a:r>
+            <a:r>
+              <a:rPr lang="en-US" dirty="0" smtClean="0"/>
+              <a:t>. Local Binary Pattern.</a:t>
+            </a:r>
+          </a:p>
+          <a:p>
+            <a:r>
+              <a:rPr lang="en-US" dirty="0" err="1" smtClean="0"/>
+              <a:t>Konkretno</a:t>
+            </a:r>
+            <a:r>
+              <a:rPr lang="en-US" dirty="0" smtClean="0"/>
+              <a:t> se </a:t>
+            </a:r>
+            <a:r>
+              <a:rPr lang="en-US" dirty="0" err="1" smtClean="0"/>
+              <a:t>koristi</a:t>
+            </a:r>
+            <a:r>
+              <a:rPr lang="en-US" dirty="0" smtClean="0"/>
+              <a:t> </a:t>
+            </a:r>
+            <a:r>
+              <a:rPr lang="en-US" dirty="0" err="1" smtClean="0"/>
+              <a:t>OpenCV-jev</a:t>
+            </a:r>
+            <a:r>
+              <a:rPr lang="en-US" dirty="0" smtClean="0"/>
+              <a:t> </a:t>
+            </a:r>
+            <a:r>
+              <a:rPr lang="en-US" dirty="0" err="1" smtClean="0"/>
+              <a:t>FaceRecognizer</a:t>
+            </a:r>
+            <a:r>
+              <a:rPr lang="en-US" dirty="0" smtClean="0"/>
+              <a:t>. </a:t>
+            </a:r>
+            <a:r>
+              <a:rPr lang="en-US" dirty="0" err="1" smtClean="0"/>
+              <a:t>Parametri</a:t>
+            </a:r>
+            <a:r>
+              <a:rPr lang="en-US" dirty="0" smtClean="0"/>
+              <a:t> </a:t>
+            </a:r>
+            <a:r>
+              <a:rPr lang="en-US" dirty="0" err="1" smtClean="0"/>
+              <a:t>su</a:t>
+            </a:r>
+            <a:r>
+              <a:rPr lang="en-US" dirty="0" smtClean="0"/>
+              <a:t>:</a:t>
+            </a:r>
+          </a:p>
+          <a:p>
+            <a:pPr lvl="1"/>
+            <a:r>
+              <a:rPr lang="en-US" dirty="0" smtClean="0"/>
+              <a:t>Radius – </a:t>
+            </a:r>
+            <a:r>
+              <a:rPr lang="en-US" dirty="0" err="1" smtClean="0"/>
+              <a:t>radijus</a:t>
+            </a:r>
+            <a:r>
+              <a:rPr lang="en-US" dirty="0" smtClean="0"/>
+              <a:t> </a:t>
+            </a:r>
+            <a:r>
+              <a:rPr lang="en-US" dirty="0" err="1" smtClean="0"/>
+              <a:t>za</a:t>
+            </a:r>
+            <a:r>
+              <a:rPr lang="en-US" dirty="0" smtClean="0"/>
+              <a:t> </a:t>
+            </a:r>
+            <a:r>
+              <a:rPr lang="en-US" dirty="0" err="1" smtClean="0"/>
+              <a:t>kreiranje</a:t>
+            </a:r>
+            <a:r>
+              <a:rPr lang="en-US" dirty="0" smtClean="0"/>
+              <a:t> </a:t>
+            </a:r>
+            <a:r>
+              <a:rPr lang="en-US" dirty="0" err="1" smtClean="0"/>
+              <a:t>cirkularnog</a:t>
+            </a:r>
+            <a:r>
+              <a:rPr lang="en-US" dirty="0" smtClean="0"/>
+              <a:t> LBP.</a:t>
+            </a:r>
+          </a:p>
+          <a:p>
+            <a:pPr lvl="1"/>
+            <a:r>
+              <a:rPr lang="en-US" dirty="0" smtClean="0"/>
+              <a:t>Neighbors – </a:t>
+            </a:r>
+            <a:r>
+              <a:rPr lang="en-US" dirty="0" err="1" smtClean="0"/>
+              <a:t>broj</a:t>
+            </a:r>
+            <a:r>
+              <a:rPr lang="en-US" dirty="0" smtClean="0"/>
+              <a:t> sample </a:t>
+            </a:r>
+            <a:r>
+              <a:rPr lang="en-US" dirty="0" err="1" smtClean="0"/>
+              <a:t>tacaka</a:t>
+            </a:r>
+            <a:r>
+              <a:rPr lang="en-US" dirty="0" smtClean="0"/>
+              <a:t> </a:t>
+            </a:r>
+            <a:r>
+              <a:rPr lang="en-US" dirty="0" err="1" smtClean="0"/>
+              <a:t>za</a:t>
+            </a:r>
+            <a:r>
+              <a:rPr lang="en-US" dirty="0" smtClean="0"/>
+              <a:t> </a:t>
+            </a:r>
+            <a:r>
+              <a:rPr lang="en-US" dirty="0" err="1" smtClean="0"/>
+              <a:t>kreiranje</a:t>
+            </a:r>
+            <a:r>
+              <a:rPr lang="en-US" dirty="0" smtClean="0"/>
+              <a:t> CLBP. </a:t>
+            </a:r>
+            <a:r>
+              <a:rPr lang="en-US" dirty="0" err="1" smtClean="0"/>
+              <a:t>Najcesca</a:t>
+            </a:r>
+            <a:r>
+              <a:rPr lang="en-US" dirty="0" smtClean="0"/>
+              <a:t> </a:t>
+            </a:r>
+            <a:r>
+              <a:rPr lang="en-US" dirty="0" err="1" smtClean="0"/>
+              <a:t>vrednost</a:t>
+            </a:r>
+            <a:r>
+              <a:rPr lang="en-US" dirty="0" smtClean="0"/>
+              <a:t> je 8. Vise </a:t>
+            </a:r>
+            <a:r>
+              <a:rPr lang="en-US" dirty="0" err="1" smtClean="0"/>
+              <a:t>tacaka</a:t>
+            </a:r>
+            <a:r>
+              <a:rPr lang="en-US" dirty="0" smtClean="0"/>
+              <a:t> </a:t>
+            </a:r>
+            <a:r>
+              <a:rPr lang="en-US" dirty="0" err="1" smtClean="0"/>
+              <a:t>zahteva</a:t>
+            </a:r>
+            <a:r>
+              <a:rPr lang="en-US" dirty="0" smtClean="0"/>
+              <a:t> vise </a:t>
+            </a:r>
+            <a:r>
+              <a:rPr lang="en-US" dirty="0" err="1" smtClean="0"/>
+              <a:t>resursa</a:t>
+            </a:r>
+            <a:r>
+              <a:rPr lang="en-US" dirty="0" smtClean="0"/>
+              <a:t>.</a:t>
+            </a:r>
+          </a:p>
+          <a:p>
+            <a:pPr lvl="1"/>
+            <a:r>
+              <a:rPr lang="en-US" dirty="0" err="1" smtClean="0"/>
+              <a:t>Grid_x</a:t>
+            </a:r>
+            <a:r>
+              <a:rPr lang="en-US" dirty="0" smtClean="0"/>
+              <a:t> – </a:t>
+            </a:r>
+            <a:r>
+              <a:rPr lang="en-US" dirty="0" err="1" smtClean="0"/>
+              <a:t>broj</a:t>
+            </a:r>
+            <a:r>
+              <a:rPr lang="en-US" dirty="0" smtClean="0"/>
+              <a:t> </a:t>
+            </a:r>
+            <a:r>
+              <a:rPr lang="en-US" dirty="0" err="1" smtClean="0"/>
+              <a:t>celija</a:t>
+            </a:r>
+            <a:r>
+              <a:rPr lang="en-US" dirty="0" smtClean="0"/>
+              <a:t> </a:t>
+            </a:r>
+            <a:r>
+              <a:rPr lang="en-US" dirty="0" err="1" smtClean="0"/>
+              <a:t>po</a:t>
+            </a:r>
+            <a:r>
+              <a:rPr lang="en-US" dirty="0" smtClean="0"/>
+              <a:t> </a:t>
+            </a:r>
+            <a:r>
+              <a:rPr lang="en-US" dirty="0" err="1" smtClean="0"/>
+              <a:t>horizontali</a:t>
+            </a:r>
+            <a:r>
+              <a:rPr lang="en-US" dirty="0" smtClean="0"/>
+              <a:t>, </a:t>
+            </a:r>
+            <a:r>
+              <a:rPr lang="en-US" dirty="0" err="1" smtClean="0"/>
+              <a:t>tipicno</a:t>
+            </a:r>
+            <a:r>
+              <a:rPr lang="en-US" dirty="0" smtClean="0"/>
+              <a:t> 8, vise </a:t>
+            </a:r>
+            <a:r>
+              <a:rPr lang="en-US" dirty="0" err="1" smtClean="0"/>
+              <a:t>celija</a:t>
+            </a:r>
+            <a:r>
+              <a:rPr lang="en-US" dirty="0" smtClean="0"/>
+              <a:t> </a:t>
+            </a:r>
+            <a:r>
+              <a:rPr lang="en-US" dirty="0" err="1" smtClean="0"/>
+              <a:t>znaci</a:t>
+            </a:r>
+            <a:r>
+              <a:rPr lang="en-US" dirty="0" smtClean="0"/>
+              <a:t> vise </a:t>
+            </a:r>
+            <a:r>
+              <a:rPr lang="en-US" dirty="0" err="1" smtClean="0"/>
+              <a:t>dimenzija</a:t>
+            </a:r>
+            <a:r>
+              <a:rPr lang="en-US" dirty="0" smtClean="0"/>
+              <a:t> </a:t>
+            </a:r>
+            <a:r>
+              <a:rPr lang="en-US" dirty="0" err="1" smtClean="0"/>
+              <a:t>rezultujuceg</a:t>
+            </a:r>
+            <a:r>
+              <a:rPr lang="en-US" dirty="0" smtClean="0"/>
+              <a:t> </a:t>
+            </a:r>
+            <a:r>
+              <a:rPr lang="en-US" dirty="0" err="1" smtClean="0"/>
+              <a:t>vektora</a:t>
+            </a:r>
+            <a:r>
+              <a:rPr lang="en-US" dirty="0" smtClean="0"/>
+              <a:t>.</a:t>
+            </a:r>
+          </a:p>
+          <a:p>
+            <a:pPr lvl="1"/>
+            <a:r>
+              <a:rPr lang="en-US" dirty="0" err="1" smtClean="0"/>
+              <a:t>Grid_y</a:t>
+            </a:r>
+            <a:r>
+              <a:rPr lang="en-US" dirty="0" smtClean="0"/>
+              <a:t> – </a:t>
+            </a:r>
+            <a:r>
+              <a:rPr lang="en-US" dirty="0" err="1" smtClean="0"/>
+              <a:t>broj</a:t>
+            </a:r>
+            <a:r>
+              <a:rPr lang="en-US" dirty="0" smtClean="0"/>
+              <a:t> </a:t>
+            </a:r>
+            <a:r>
+              <a:rPr lang="en-US" dirty="0" err="1" smtClean="0"/>
+              <a:t>celija</a:t>
+            </a:r>
+            <a:r>
+              <a:rPr lang="en-US" dirty="0" smtClean="0"/>
+              <a:t> </a:t>
+            </a:r>
+            <a:r>
+              <a:rPr lang="en-US" dirty="0" err="1" smtClean="0"/>
+              <a:t>po</a:t>
+            </a:r>
+            <a:r>
+              <a:rPr lang="en-US" dirty="0" smtClean="0"/>
+              <a:t> </a:t>
+            </a:r>
+            <a:r>
+              <a:rPr lang="en-US" dirty="0" err="1" smtClean="0"/>
+              <a:t>vertikali</a:t>
+            </a:r>
+            <a:r>
+              <a:rPr lang="en-US" dirty="0" smtClean="0"/>
+              <a:t>, </a:t>
+            </a:r>
+            <a:r>
+              <a:rPr lang="en-US" dirty="0" err="1" smtClean="0"/>
+              <a:t>tipicno</a:t>
+            </a:r>
+            <a:r>
+              <a:rPr lang="en-US" dirty="0" smtClean="0"/>
+              <a:t> 8, </a:t>
+            </a:r>
+            <a:r>
+              <a:rPr lang="en-US" dirty="0"/>
+              <a:t>vise </a:t>
+            </a:r>
+            <a:r>
+              <a:rPr lang="en-US" dirty="0" err="1"/>
+              <a:t>celija</a:t>
+            </a:r>
+            <a:r>
+              <a:rPr lang="en-US" dirty="0"/>
+              <a:t> </a:t>
+            </a:r>
+            <a:r>
+              <a:rPr lang="en-US" dirty="0" err="1"/>
+              <a:t>znaci</a:t>
+            </a:r>
+            <a:r>
+              <a:rPr lang="en-US" dirty="0"/>
+              <a:t> vise </a:t>
+            </a:r>
+            <a:r>
+              <a:rPr lang="en-US" dirty="0" err="1"/>
+              <a:t>dimenzija</a:t>
+            </a:r>
+            <a:r>
+              <a:rPr lang="en-US" dirty="0"/>
+              <a:t> </a:t>
+            </a:r>
+            <a:r>
+              <a:rPr lang="en-US" dirty="0" err="1"/>
+              <a:t>rezultujuceg</a:t>
+            </a:r>
+            <a:r>
+              <a:rPr lang="en-US" dirty="0"/>
+              <a:t> </a:t>
+            </a:r>
+            <a:r>
+              <a:rPr lang="en-US" dirty="0" err="1"/>
+              <a:t>vektora</a:t>
+            </a:r>
+            <a:r>
+              <a:rPr lang="en-US" dirty="0" smtClean="0"/>
+              <a:t>.</a:t>
+            </a:r>
+          </a:p>
+          <a:p>
+            <a:pPr lvl="1"/>
+            <a:r>
+              <a:rPr lang="en-US" dirty="0" smtClean="0"/>
+              <a:t>Threshold – threshold </a:t>
+            </a:r>
+            <a:r>
+              <a:rPr lang="en-US" dirty="0" err="1" smtClean="0"/>
+              <a:t>za</a:t>
+            </a:r>
+            <a:r>
+              <a:rPr lang="en-US" dirty="0" smtClean="0"/>
+              <a:t> </a:t>
+            </a:r>
+            <a:r>
+              <a:rPr lang="en-US" dirty="0" err="1" smtClean="0"/>
+              <a:t>predikciju</a:t>
+            </a:r>
+            <a:r>
+              <a:rPr lang="en-US" dirty="0" smtClean="0"/>
+              <a:t>, </a:t>
+            </a:r>
+            <a:r>
+              <a:rPr lang="en-US" dirty="0" err="1" smtClean="0"/>
+              <a:t>ako</a:t>
+            </a:r>
+            <a:r>
+              <a:rPr lang="en-US" dirty="0" smtClean="0"/>
+              <a:t> je </a:t>
+            </a:r>
+            <a:r>
+              <a:rPr lang="en-US" dirty="0" err="1" smtClean="0"/>
+              <a:t>udaljenost</a:t>
+            </a:r>
+            <a:r>
+              <a:rPr lang="en-US" dirty="0" smtClean="0"/>
+              <a:t> </a:t>
+            </a:r>
+            <a:r>
+              <a:rPr lang="en-US" dirty="0" err="1" smtClean="0"/>
+              <a:t>najblizeg</a:t>
+            </a:r>
+            <a:r>
+              <a:rPr lang="en-US" dirty="0" smtClean="0"/>
+              <a:t> </a:t>
+            </a:r>
+            <a:r>
+              <a:rPr lang="en-US" dirty="0" err="1" smtClean="0"/>
+              <a:t>suseda</a:t>
+            </a:r>
+            <a:r>
+              <a:rPr lang="en-US" dirty="0" smtClean="0"/>
+              <a:t> </a:t>
+            </a:r>
+            <a:r>
+              <a:rPr lang="en-US" dirty="0" err="1" smtClean="0"/>
+              <a:t>veca</a:t>
+            </a:r>
+            <a:r>
+              <a:rPr lang="en-US" dirty="0" smtClean="0"/>
+              <a:t> od threshold, </a:t>
+            </a:r>
+            <a:r>
+              <a:rPr lang="en-US" dirty="0" err="1" smtClean="0"/>
+              <a:t>metoda</a:t>
+            </a:r>
+            <a:r>
+              <a:rPr lang="en-US" dirty="0" smtClean="0"/>
+              <a:t> </a:t>
+            </a:r>
+            <a:r>
+              <a:rPr lang="en-US" dirty="0" err="1" smtClean="0"/>
+              <a:t>vraca</a:t>
+            </a:r>
+            <a:r>
+              <a:rPr lang="en-US" dirty="0" smtClean="0"/>
+              <a:t> -1. </a:t>
+            </a:r>
+            <a:r>
+              <a:rPr lang="en-US" dirty="0" err="1" smtClean="0"/>
+              <a:t>tj</a:t>
+            </a:r>
+            <a:r>
+              <a:rPr lang="en-US" dirty="0" smtClean="0"/>
+              <a:t> </a:t>
+            </a:r>
+            <a:r>
+              <a:rPr lang="en-US" dirty="0" err="1" smtClean="0"/>
+              <a:t>nije</a:t>
+            </a:r>
+            <a:r>
+              <a:rPr lang="en-US" dirty="0" smtClean="0"/>
+              <a:t> </a:t>
+            </a:r>
+            <a:r>
+              <a:rPr lang="en-US" dirty="0" err="1" smtClean="0"/>
+              <a:t>prepoznala</a:t>
+            </a:r>
+            <a:r>
+              <a:rPr lang="en-US" smtClean="0"/>
+              <a:t> lice.</a:t>
+            </a:r>
+            <a:endParaRPr lang="en-US" dirty="0" smtClean="0"/>
+          </a:p>
+          <a:p>
+            <a:endParaRPr lang="en-US" dirty="0"/>
+          </a:p>
+        </p:txBody>
+      </p:sp>
+    </p:spTree>
+    <p:extLst>
+      <p:ext uri="{BB962C8B-B14F-4D97-AF65-F5344CB8AC3E}">
+        <p14:creationId xmlns:p14="http://schemas.microsoft.com/office/powerpoint/2010/main" val="1769819655"/>
+      </p:ext>
+    </p:extLst>
+  </p:cSld>
+  <p:clrMapOvr>
+    <a:masterClrMapping/>
+  </p:clrMapOvr>
+</p:sld>
+</file>
+
+<file path=ppt/slides/slide9.xml><?xml version="1.0" encoding="utf-8"?>
+<p:sld xmlns:a="http://schemas.openxmlformats.org/drawingml/2006/main" xmlns:r="http://schemas.openxmlformats.org/officeDocument/2006/relationships" xmlns:p="http://schemas.openxmlformats.org/presentationml/2006/main">
+  <p:cSld>
+    <p:spTree>
+      <p:nvGrpSpPr>
+        <p:cNvPr id="1" name=""/>
+        <p:cNvGrpSpPr/>
+        <p:nvPr/>
+      </p:nvGrpSpPr>
+      <p:grpSpPr>
+        <a:xfrm>
+          <a:off x="0" y="0"/>
+          <a:ext cx="0" cy="0"/>
+          <a:chOff x="0" y="0"/>
+          <a:chExt cx="0" cy="0"/>
+        </a:xfrm>
+      </p:grpSpPr>
+      <p:sp>
+        <p:nvSpPr>
+          <p:cNvPr id="2" name="Title 1"/>
+          <p:cNvSpPr>
+            <a:spLocks noGrp="1"/>
+          </p:cNvSpPr>
+          <p:nvPr>
+            <p:ph type="title"/>
+          </p:nvPr>
+        </p:nvSpPr>
+        <p:spPr/>
+        <p:txBody>
+          <a:bodyPr/>
+          <a:lstStyle/>
+          <a:p>
+            <a:r>
+              <a:rPr lang="en-US" dirty="0" err="1" smtClean="0"/>
+              <a:t>Zakl</a:t>
+            </a:r>
+            <a:r>
+              <a:rPr lang="sr-Latn-RS" dirty="0" smtClean="0"/>
+              <a:t>j</a:t>
+            </a:r>
+            <a:r>
+              <a:rPr lang="en-US" dirty="0" smtClean="0"/>
+              <a:t>u</a:t>
+            </a:r>
+            <a:r>
+              <a:rPr lang="sr-Latn-RS" dirty="0" smtClean="0"/>
+              <a:t>čak</a:t>
+            </a:r>
+            <a:endParaRPr lang="en-US" dirty="0"/>
+          </a:p>
+        </p:txBody>
+      </p:sp>
+      <p:sp>
+        <p:nvSpPr>
+          <p:cNvPr id="3" name="Content Placeholder 2"/>
+          <p:cNvSpPr>
+            <a:spLocks noGrp="1"/>
+          </p:cNvSpPr>
+          <p:nvPr>
+            <p:ph idx="1"/>
+          </p:nvPr>
+        </p:nvSpPr>
+        <p:spPr/>
+        <p:txBody>
+          <a:bodyPr/>
+          <a:lstStyle/>
+          <a:p>
+            <a:r>
+              <a:rPr lang="sr-Latn-RS" dirty="0" smtClean="0"/>
+              <a:t>Detekcija radi prilično dobro, moguća je detekcija više lica odjednom, ali moraju stajati frontalno i uspravno.</a:t>
+            </a:r>
+          </a:p>
+          <a:p>
+            <a:r>
+              <a:rPr lang="sr-Latn-RS" dirty="0" smtClean="0"/>
+              <a:t>Što se tiče prepoznavanja, moguće je prepoznavanje samo jednog lica u datom momentu, i uslovi moraju biti jako dobri da bi prepoznavanje radilo kako treba.</a:t>
+            </a:r>
+          </a:p>
+          <a:p>
+            <a:endParaRPr lang="sr-Latn-RS" dirty="0"/>
+          </a:p>
+          <a:p>
+            <a:r>
+              <a:rPr lang="sr-Latn-RS" dirty="0" smtClean="0"/>
+              <a:t>Detekcija bi se mogla unaprediti dodavanjem dodatnih kaskada, za slike iz profila npr.</a:t>
+            </a:r>
+          </a:p>
+          <a:p>
+            <a:r>
+              <a:rPr lang="sr-Latn-RS" dirty="0" smtClean="0"/>
+              <a:t>Prepoznavanje bi se moglo unaprediti dodatnom obradom slike, poboljšanje osvetljenja npr.</a:t>
+            </a:r>
+            <a:endParaRPr lang="en-US" dirty="0"/>
+          </a:p>
+        </p:txBody>
+      </p:sp>
+    </p:spTree>
+    <p:extLst>
+      <p:ext uri="{BB962C8B-B14F-4D97-AF65-F5344CB8AC3E}">
+        <p14:creationId xmlns:p14="http://schemas.microsoft.com/office/powerpoint/2010/main" val="644460109"/>
+      </p:ext>
+    </p:extLst>
+  </p:cSld>
+  <p:clrMapOvr>
+    <a:masterClrMapping/>
+  </p:clrMapOvr>
 </p:sld>
 </file>
 
